--- a/images/connectsense-spc-architecture-diagram.pptx
+++ b/images/connectsense-spc-architecture-diagram.pptx
@@ -260,9 +260,9 @@
           <a:p>
             <a:fld id="{B254F3FA-2CD2-47E1-9871-C6CD92049798}" type="datetimeFigureOut">
               <a:rPr lang="en-US" smtClean="0"/>
-              <a:t>3/12/2021</a:t>
+              <a:t>3/17/2021</a:t>
             </a:fld>
-            <a:endParaRPr lang="en-US"/>
+            <a:endParaRPr lang="en-US" dirty="0"/>
           </a:p>
         </p:txBody>
       </p:sp>
@@ -287,7 +287,7 @@
           <a:bodyPr/>
           <a:lstStyle/>
           <a:p>
-            <a:endParaRPr lang="en-US"/>
+            <a:endParaRPr lang="en-US" dirty="0"/>
           </a:p>
         </p:txBody>
       </p:sp>
@@ -316,7 +316,7 @@
               <a:rPr lang="en-US" smtClean="0"/>
               <a:t>‹#›</a:t>
             </a:fld>
-            <a:endParaRPr lang="en-US"/>
+            <a:endParaRPr lang="en-US" dirty="0"/>
           </a:p>
         </p:txBody>
       </p:sp>
@@ -458,9 +458,9 @@
           <a:p>
             <a:fld id="{B254F3FA-2CD2-47E1-9871-C6CD92049798}" type="datetimeFigureOut">
               <a:rPr lang="en-US" smtClean="0"/>
-              <a:t>3/12/2021</a:t>
+              <a:t>3/17/2021</a:t>
             </a:fld>
-            <a:endParaRPr lang="en-US"/>
+            <a:endParaRPr lang="en-US" dirty="0"/>
           </a:p>
         </p:txBody>
       </p:sp>
@@ -485,7 +485,7 @@
           <a:bodyPr/>
           <a:lstStyle/>
           <a:p>
-            <a:endParaRPr lang="en-US"/>
+            <a:endParaRPr lang="en-US" dirty="0"/>
           </a:p>
         </p:txBody>
       </p:sp>
@@ -514,7 +514,7 @@
               <a:rPr lang="en-US" smtClean="0"/>
               <a:t>‹#›</a:t>
             </a:fld>
-            <a:endParaRPr lang="en-US"/>
+            <a:endParaRPr lang="en-US" dirty="0"/>
           </a:p>
         </p:txBody>
       </p:sp>
@@ -666,9 +666,9 @@
           <a:p>
             <a:fld id="{B254F3FA-2CD2-47E1-9871-C6CD92049798}" type="datetimeFigureOut">
               <a:rPr lang="en-US" smtClean="0"/>
-              <a:t>3/12/2021</a:t>
+              <a:t>3/17/2021</a:t>
             </a:fld>
-            <a:endParaRPr lang="en-US"/>
+            <a:endParaRPr lang="en-US" dirty="0"/>
           </a:p>
         </p:txBody>
       </p:sp>
@@ -693,7 +693,7 @@
           <a:bodyPr/>
           <a:lstStyle/>
           <a:p>
-            <a:endParaRPr lang="en-US"/>
+            <a:endParaRPr lang="en-US" dirty="0"/>
           </a:p>
         </p:txBody>
       </p:sp>
@@ -722,7 +722,7 @@
               <a:rPr lang="en-US" smtClean="0"/>
               <a:t>‹#›</a:t>
             </a:fld>
-            <a:endParaRPr lang="en-US"/>
+            <a:endParaRPr lang="en-US" dirty="0"/>
           </a:p>
         </p:txBody>
       </p:sp>
@@ -864,9 +864,9 @@
           <a:p>
             <a:fld id="{B254F3FA-2CD2-47E1-9871-C6CD92049798}" type="datetimeFigureOut">
               <a:rPr lang="en-US" smtClean="0"/>
-              <a:t>3/12/2021</a:t>
+              <a:t>3/17/2021</a:t>
             </a:fld>
-            <a:endParaRPr lang="en-US"/>
+            <a:endParaRPr lang="en-US" dirty="0"/>
           </a:p>
         </p:txBody>
       </p:sp>
@@ -891,7 +891,7 @@
           <a:bodyPr/>
           <a:lstStyle/>
           <a:p>
-            <a:endParaRPr lang="en-US"/>
+            <a:endParaRPr lang="en-US" dirty="0"/>
           </a:p>
         </p:txBody>
       </p:sp>
@@ -920,7 +920,7 @@
               <a:rPr lang="en-US" smtClean="0"/>
               <a:t>‹#›</a:t>
             </a:fld>
-            <a:endParaRPr lang="en-US"/>
+            <a:endParaRPr lang="en-US" dirty="0"/>
           </a:p>
         </p:txBody>
       </p:sp>
@@ -1139,9 +1139,9 @@
           <a:p>
             <a:fld id="{B254F3FA-2CD2-47E1-9871-C6CD92049798}" type="datetimeFigureOut">
               <a:rPr lang="en-US" smtClean="0"/>
-              <a:t>3/12/2021</a:t>
+              <a:t>3/17/2021</a:t>
             </a:fld>
-            <a:endParaRPr lang="en-US"/>
+            <a:endParaRPr lang="en-US" dirty="0"/>
           </a:p>
         </p:txBody>
       </p:sp>
@@ -1166,7 +1166,7 @@
           <a:bodyPr/>
           <a:lstStyle/>
           <a:p>
-            <a:endParaRPr lang="en-US"/>
+            <a:endParaRPr lang="en-US" dirty="0"/>
           </a:p>
         </p:txBody>
       </p:sp>
@@ -1195,7 +1195,7 @@
               <a:rPr lang="en-US" smtClean="0"/>
               <a:t>‹#›</a:t>
             </a:fld>
-            <a:endParaRPr lang="en-US"/>
+            <a:endParaRPr lang="en-US" dirty="0"/>
           </a:p>
         </p:txBody>
       </p:sp>
@@ -1404,9 +1404,9 @@
           <a:p>
             <a:fld id="{B254F3FA-2CD2-47E1-9871-C6CD92049798}" type="datetimeFigureOut">
               <a:rPr lang="en-US" smtClean="0"/>
-              <a:t>3/12/2021</a:t>
+              <a:t>3/17/2021</a:t>
             </a:fld>
-            <a:endParaRPr lang="en-US"/>
+            <a:endParaRPr lang="en-US" dirty="0"/>
           </a:p>
         </p:txBody>
       </p:sp>
@@ -1431,7 +1431,7 @@
           <a:bodyPr/>
           <a:lstStyle/>
           <a:p>
-            <a:endParaRPr lang="en-US"/>
+            <a:endParaRPr lang="en-US" dirty="0"/>
           </a:p>
         </p:txBody>
       </p:sp>
@@ -1460,7 +1460,7 @@
               <a:rPr lang="en-US" smtClean="0"/>
               <a:t>‹#›</a:t>
             </a:fld>
-            <a:endParaRPr lang="en-US"/>
+            <a:endParaRPr lang="en-US" dirty="0"/>
           </a:p>
         </p:txBody>
       </p:sp>
@@ -1816,9 +1816,9 @@
           <a:p>
             <a:fld id="{B254F3FA-2CD2-47E1-9871-C6CD92049798}" type="datetimeFigureOut">
               <a:rPr lang="en-US" smtClean="0"/>
-              <a:t>3/12/2021</a:t>
+              <a:t>3/17/2021</a:t>
             </a:fld>
-            <a:endParaRPr lang="en-US"/>
+            <a:endParaRPr lang="en-US" dirty="0"/>
           </a:p>
         </p:txBody>
       </p:sp>
@@ -1843,7 +1843,7 @@
           <a:bodyPr/>
           <a:lstStyle/>
           <a:p>
-            <a:endParaRPr lang="en-US"/>
+            <a:endParaRPr lang="en-US" dirty="0"/>
           </a:p>
         </p:txBody>
       </p:sp>
@@ -1872,7 +1872,7 @@
               <a:rPr lang="en-US" smtClean="0"/>
               <a:t>‹#›</a:t>
             </a:fld>
-            <a:endParaRPr lang="en-US"/>
+            <a:endParaRPr lang="en-US" dirty="0"/>
           </a:p>
         </p:txBody>
       </p:sp>
@@ -1957,9 +1957,9 @@
           <a:p>
             <a:fld id="{B254F3FA-2CD2-47E1-9871-C6CD92049798}" type="datetimeFigureOut">
               <a:rPr lang="en-US" smtClean="0"/>
-              <a:t>3/12/2021</a:t>
+              <a:t>3/17/2021</a:t>
             </a:fld>
-            <a:endParaRPr lang="en-US"/>
+            <a:endParaRPr lang="en-US" dirty="0"/>
           </a:p>
         </p:txBody>
       </p:sp>
@@ -1984,7 +1984,7 @@
           <a:bodyPr/>
           <a:lstStyle/>
           <a:p>
-            <a:endParaRPr lang="en-US"/>
+            <a:endParaRPr lang="en-US" dirty="0"/>
           </a:p>
         </p:txBody>
       </p:sp>
@@ -2013,7 +2013,7 @@
               <a:rPr lang="en-US" smtClean="0"/>
               <a:t>‹#›</a:t>
             </a:fld>
-            <a:endParaRPr lang="en-US"/>
+            <a:endParaRPr lang="en-US" dirty="0"/>
           </a:p>
         </p:txBody>
       </p:sp>
@@ -2070,9 +2070,9 @@
           <a:p>
             <a:fld id="{B254F3FA-2CD2-47E1-9871-C6CD92049798}" type="datetimeFigureOut">
               <a:rPr lang="en-US" smtClean="0"/>
-              <a:t>3/12/2021</a:t>
+              <a:t>3/17/2021</a:t>
             </a:fld>
-            <a:endParaRPr lang="en-US"/>
+            <a:endParaRPr lang="en-US" dirty="0"/>
           </a:p>
         </p:txBody>
       </p:sp>
@@ -2097,7 +2097,7 @@
           <a:bodyPr/>
           <a:lstStyle/>
           <a:p>
-            <a:endParaRPr lang="en-US"/>
+            <a:endParaRPr lang="en-US" dirty="0"/>
           </a:p>
         </p:txBody>
       </p:sp>
@@ -2126,7 +2126,7 @@
               <a:rPr lang="en-US" smtClean="0"/>
               <a:t>‹#›</a:t>
             </a:fld>
-            <a:endParaRPr lang="en-US"/>
+            <a:endParaRPr lang="en-US" dirty="0"/>
           </a:p>
         </p:txBody>
       </p:sp>
@@ -2381,9 +2381,9 @@
           <a:p>
             <a:fld id="{B254F3FA-2CD2-47E1-9871-C6CD92049798}" type="datetimeFigureOut">
               <a:rPr lang="en-US" smtClean="0"/>
-              <a:t>3/12/2021</a:t>
+              <a:t>3/17/2021</a:t>
             </a:fld>
-            <a:endParaRPr lang="en-US"/>
+            <a:endParaRPr lang="en-US" dirty="0"/>
           </a:p>
         </p:txBody>
       </p:sp>
@@ -2408,7 +2408,7 @@
           <a:bodyPr/>
           <a:lstStyle/>
           <a:p>
-            <a:endParaRPr lang="en-US"/>
+            <a:endParaRPr lang="en-US" dirty="0"/>
           </a:p>
         </p:txBody>
       </p:sp>
@@ -2437,7 +2437,7 @@
               <a:rPr lang="en-US" smtClean="0"/>
               <a:t>‹#›</a:t>
             </a:fld>
-            <a:endParaRPr lang="en-US"/>
+            <a:endParaRPr lang="en-US" dirty="0"/>
           </a:p>
         </p:txBody>
       </p:sp>
@@ -2571,7 +2571,7 @@
             </a:lvl9pPr>
           </a:lstStyle>
           <a:p>
-            <a:endParaRPr lang="en-US"/>
+            <a:endParaRPr lang="en-US" dirty="0"/>
           </a:p>
         </p:txBody>
       </p:sp>
@@ -2669,9 +2669,9 @@
           <a:p>
             <a:fld id="{B254F3FA-2CD2-47E1-9871-C6CD92049798}" type="datetimeFigureOut">
               <a:rPr lang="en-US" smtClean="0"/>
-              <a:t>3/12/2021</a:t>
+              <a:t>3/17/2021</a:t>
             </a:fld>
-            <a:endParaRPr lang="en-US"/>
+            <a:endParaRPr lang="en-US" dirty="0"/>
           </a:p>
         </p:txBody>
       </p:sp>
@@ -2696,7 +2696,7 @@
           <a:bodyPr/>
           <a:lstStyle/>
           <a:p>
-            <a:endParaRPr lang="en-US"/>
+            <a:endParaRPr lang="en-US" dirty="0"/>
           </a:p>
         </p:txBody>
       </p:sp>
@@ -2725,7 +2725,7 @@
               <a:rPr lang="en-US" smtClean="0"/>
               <a:t>‹#›</a:t>
             </a:fld>
-            <a:endParaRPr lang="en-US"/>
+            <a:endParaRPr lang="en-US" dirty="0"/>
           </a:p>
         </p:txBody>
       </p:sp>
@@ -2910,9 +2910,9 @@
           <a:p>
             <a:fld id="{B254F3FA-2CD2-47E1-9871-C6CD92049798}" type="datetimeFigureOut">
               <a:rPr lang="en-US" smtClean="0"/>
-              <a:t>3/12/2021</a:t>
+              <a:t>3/17/2021</a:t>
             </a:fld>
-            <a:endParaRPr lang="en-US"/>
+            <a:endParaRPr lang="en-US" dirty="0"/>
           </a:p>
         </p:txBody>
       </p:sp>
@@ -2955,7 +2955,7 @@
             </a:lvl1pPr>
           </a:lstStyle>
           <a:p>
-            <a:endParaRPr lang="en-US"/>
+            <a:endParaRPr lang="en-US" dirty="0"/>
           </a:p>
         </p:txBody>
       </p:sp>
@@ -3002,7 +3002,7 @@
               <a:rPr lang="en-US" smtClean="0"/>
               <a:t>‹#›</a:t>
             </a:fld>
-            <a:endParaRPr lang="en-US"/>
+            <a:endParaRPr lang="en-US" dirty="0"/>
           </a:p>
         </p:txBody>
       </p:sp>
@@ -3658,19 +3658,8 @@
                 <a:latin typeface="Arial" panose="020B0604020202020204" pitchFamily="34" charset="0"/>
                 <a:cs typeface="Arial" panose="020B0604020202020204" pitchFamily="34" charset="0"/>
               </a:rPr>
-              <a:t>Device </a:t>
+              <a:t>Device metrics</a:t>
             </a:r>
-            <a:r>
-              <a:rPr lang="en-US" altLang="en-US" sz="1200" i="1" dirty="0" smtClean="0">
-                <a:latin typeface="Arial" panose="020B0604020202020204" pitchFamily="34" charset="0"/>
-                <a:cs typeface="Arial" panose="020B0604020202020204" pitchFamily="34" charset="0"/>
-              </a:rPr>
-              <a:t>metrics</a:t>
-            </a:r>
-            <a:endParaRPr lang="en-US" altLang="en-US" sz="1200" i="1" dirty="0" smtClean="0">
-              <a:latin typeface="Arial" panose="020B0604020202020204" pitchFamily="34" charset="0"/>
-              <a:cs typeface="Arial" panose="020B0604020202020204" pitchFamily="34" charset="0"/>
-            </a:endParaRPr>
           </a:p>
         </p:txBody>
       </p:sp>
@@ -4386,177 +4375,6 @@
       </p:cxnSp>
       <p:sp>
         <p:nvSpPr>
-          <p:cNvPr id="65" name="TextBox 27">
-            <a:extLst>
-              <a:ext uri="{FF2B5EF4-FFF2-40B4-BE49-F238E27FC236}">
-                <a16:creationId xmlns:a16="http://schemas.microsoft.com/office/drawing/2014/main" id="{7B4E5791-9B70-46B5-9B9F-C74FB227BAFC}"/>
-              </a:ext>
-            </a:extLst>
-          </p:cNvPr>
-          <p:cNvSpPr txBox="1">
-            <a:spLocks noChangeArrowheads="1"/>
-          </p:cNvSpPr>
-          <p:nvPr/>
-        </p:nvSpPr>
-        <p:spPr bwMode="auto">
-          <a:xfrm>
-            <a:off x="2975190" y="5905674"/>
-            <a:ext cx="2013943" cy="276999"/>
-          </a:xfrm>
-          <a:prstGeom prst="rect">
-            <a:avLst/>
-          </a:prstGeom>
-          <a:noFill/>
-          <a:ln>
-            <a:noFill/>
-          </a:ln>
-          <a:extLst>
-            <a:ext uri="{909E8E84-426E-40DD-AFC4-6F175D3DCCD1}">
-              <a14:hiddenFill xmlns:a14="http://schemas.microsoft.com/office/drawing/2010/main">
-                <a:solidFill>
-                  <a:srgbClr val="FFFFFF"/>
-                </a:solidFill>
-              </a14:hiddenFill>
-            </a:ext>
-            <a:ext uri="{91240B29-F687-4F45-9708-019B960494DF}">
-              <a14:hiddenLine xmlns:a14="http://schemas.microsoft.com/office/drawing/2010/main" w="9525">
-                <a:solidFill>
-                  <a:srgbClr val="000000"/>
-                </a:solidFill>
-                <a:miter lim="800000"/>
-                <a:headEnd/>
-                <a:tailEnd/>
-              </a14:hiddenLine>
-            </a:ext>
-          </a:extLst>
-        </p:spPr>
-        <p:txBody>
-          <a:bodyPr wrap="square">
-            <a:spAutoFit/>
-          </a:bodyPr>
-          <a:lstStyle>
-            <a:lvl1pPr>
-              <a:defRPr>
-                <a:solidFill>
-                  <a:schemeClr val="tx1"/>
-                </a:solidFill>
-                <a:latin typeface="Calibri" panose="020F0502020204030204" pitchFamily="34" charset="0"/>
-              </a:defRPr>
-            </a:lvl1pPr>
-            <a:lvl2pPr marL="742950" indent="-285750">
-              <a:defRPr>
-                <a:solidFill>
-                  <a:schemeClr val="tx1"/>
-                </a:solidFill>
-                <a:latin typeface="Calibri" panose="020F0502020204030204" pitchFamily="34" charset="0"/>
-              </a:defRPr>
-            </a:lvl2pPr>
-            <a:lvl3pPr marL="1143000" indent="-228600">
-              <a:defRPr>
-                <a:solidFill>
-                  <a:schemeClr val="tx1"/>
-                </a:solidFill>
-                <a:latin typeface="Calibri" panose="020F0502020204030204" pitchFamily="34" charset="0"/>
-              </a:defRPr>
-            </a:lvl3pPr>
-            <a:lvl4pPr marL="1600200" indent="-228600">
-              <a:defRPr>
-                <a:solidFill>
-                  <a:schemeClr val="tx1"/>
-                </a:solidFill>
-                <a:latin typeface="Calibri" panose="020F0502020204030204" pitchFamily="34" charset="0"/>
-              </a:defRPr>
-            </a:lvl4pPr>
-            <a:lvl5pPr marL="2057400" indent="-228600">
-              <a:defRPr>
-                <a:solidFill>
-                  <a:schemeClr val="tx1"/>
-                </a:solidFill>
-                <a:latin typeface="Calibri" panose="020F0502020204030204" pitchFamily="34" charset="0"/>
-              </a:defRPr>
-            </a:lvl5pPr>
-            <a:lvl6pPr marL="2514600" indent="-228600" eaLnBrk="0" fontAlgn="base" hangingPunct="0">
-              <a:spcBef>
-                <a:spcPct val="0"/>
-              </a:spcBef>
-              <a:spcAft>
-                <a:spcPct val="0"/>
-              </a:spcAft>
-              <a:defRPr>
-                <a:solidFill>
-                  <a:schemeClr val="tx1"/>
-                </a:solidFill>
-                <a:latin typeface="Calibri" panose="020F0502020204030204" pitchFamily="34" charset="0"/>
-              </a:defRPr>
-            </a:lvl6pPr>
-            <a:lvl7pPr marL="2971800" indent="-228600" eaLnBrk="0" fontAlgn="base" hangingPunct="0">
-              <a:spcBef>
-                <a:spcPct val="0"/>
-              </a:spcBef>
-              <a:spcAft>
-                <a:spcPct val="0"/>
-              </a:spcAft>
-              <a:defRPr>
-                <a:solidFill>
-                  <a:schemeClr val="tx1"/>
-                </a:solidFill>
-                <a:latin typeface="Calibri" panose="020F0502020204030204" pitchFamily="34" charset="0"/>
-              </a:defRPr>
-            </a:lvl7pPr>
-            <a:lvl8pPr marL="3429000" indent="-228600" eaLnBrk="0" fontAlgn="base" hangingPunct="0">
-              <a:spcBef>
-                <a:spcPct val="0"/>
-              </a:spcBef>
-              <a:spcAft>
-                <a:spcPct val="0"/>
-              </a:spcAft>
-              <a:defRPr>
-                <a:solidFill>
-                  <a:schemeClr val="tx1"/>
-                </a:solidFill>
-                <a:latin typeface="Calibri" panose="020F0502020204030204" pitchFamily="34" charset="0"/>
-              </a:defRPr>
-            </a:lvl8pPr>
-            <a:lvl9pPr marL="3886200" indent="-228600" eaLnBrk="0" fontAlgn="base" hangingPunct="0">
-              <a:spcBef>
-                <a:spcPct val="0"/>
-              </a:spcBef>
-              <a:spcAft>
-                <a:spcPct val="0"/>
-              </a:spcAft>
-              <a:defRPr>
-                <a:solidFill>
-                  <a:schemeClr val="tx1"/>
-                </a:solidFill>
-                <a:latin typeface="Calibri" panose="020F0502020204030204" pitchFamily="34" charset="0"/>
-              </a:defRPr>
-            </a:lvl9pPr>
-          </a:lstStyle>
-          <a:p>
-            <a:pPr eaLnBrk="1" hangingPunct="1"/>
-            <a:r>
-              <a:rPr lang="en-US" altLang="en-US" sz="1200" i="1" dirty="0">
-                <a:latin typeface="Arial" panose="020B0604020202020204" pitchFamily="34" charset="0"/>
-                <a:cs typeface="Arial" panose="020B0604020202020204" pitchFamily="34" charset="0"/>
-              </a:rPr>
-              <a:t>API Gateway </a:t>
-            </a:r>
-            <a:r>
-              <a:rPr lang="en-US" altLang="en-US" sz="1200" i="1" dirty="0" smtClean="0">
-                <a:latin typeface="Arial" panose="020B0604020202020204" pitchFamily="34" charset="0"/>
-                <a:cs typeface="Arial" panose="020B0604020202020204" pitchFamily="34" charset="0"/>
-              </a:rPr>
-              <a:t>endpoint</a:t>
-            </a:r>
-            <a:endParaRPr lang="en-US" altLang="en-US" sz="1200" i="1" dirty="0">
-              <a:latin typeface="Arial" panose="020B0604020202020204" pitchFamily="34" charset="0"/>
-              <a:cs typeface="Arial" panose="020B0604020202020204" pitchFamily="34" charset="0"/>
-            </a:endParaRPr>
-          </a:p>
-        </p:txBody>
-      </p:sp>
-      <p:sp>
-        <p:nvSpPr>
           <p:cNvPr id="66" name="TextBox 27">
             <a:extLst>
               <a:ext uri="{FF2B5EF4-FFF2-40B4-BE49-F238E27FC236}">
@@ -4706,16 +4524,12 @@
           <a:p>
             <a:pPr eaLnBrk="1" hangingPunct="1"/>
             <a:r>
-              <a:rPr lang="en-US" altLang="en-US" sz="1200" i="1" dirty="0" smtClean="0">
+              <a:rPr lang="en-US" altLang="en-US" sz="1200" i="1" dirty="0">
                 <a:latin typeface="Arial" panose="020B0604020202020204" pitchFamily="34" charset="0"/>
                 <a:cs typeface="Arial" panose="020B0604020202020204" pitchFamily="34" charset="0"/>
               </a:rPr>
               <a:t>Self-provisioning</a:t>
             </a:r>
-            <a:endParaRPr lang="en-US" altLang="en-US" sz="1200" i="1" dirty="0">
-              <a:latin typeface="Arial" panose="020B0604020202020204" pitchFamily="34" charset="0"/>
-              <a:cs typeface="Arial" panose="020B0604020202020204" pitchFamily="34" charset="0"/>
-            </a:endParaRPr>
           </a:p>
         </p:txBody>
       </p:sp>
@@ -5603,8 +5417,8 @@
         </p:nvSpPr>
         <p:spPr>
           <a:xfrm flipH="1" flipV="1">
-            <a:off x="2515748" y="2899710"/>
-            <a:ext cx="3056645" cy="3246034"/>
+            <a:off x="2515746" y="3003747"/>
+            <a:ext cx="3056645" cy="3141995"/>
           </a:xfrm>
           <a:custGeom>
             <a:avLst/>
@@ -5703,7 +5517,7 @@
           <a:blip r:embed="rId8">
             <a:extLst>
               <a:ext uri="{96DAC541-7B7A-43D3-8B79-37D633B846F1}">
-                <asvg:svgBlip xmlns="" xmlns:asvg="http://schemas.microsoft.com/office/drawing/2016/SVG/main" r:embed="rId11"/>
+                <asvg:svgBlip xmlns:asvg="http://schemas.microsoft.com/office/drawing/2016/SVG/main" xmlns="" r:embed="rId9"/>
               </a:ext>
             </a:extLst>
           </a:blip>
@@ -5933,8 +5747,8 @@
             <a:solidFill>
               <a:schemeClr val="tx2"/>
             </a:solidFill>
-            <a:headEnd type="arrow" w="med" len="sm"/>
-            <a:tailEnd type="none" w="med" len="sm"/>
+            <a:headEnd type="none" w="med" len="sm"/>
+            <a:tailEnd type="arrow" w="med" len="sm"/>
           </a:ln>
         </p:spPr>
         <p:style>
@@ -6121,8 +5935,8 @@
             <a:solidFill>
               <a:schemeClr val="tx2"/>
             </a:solidFill>
-            <a:headEnd type="arrow" w="med" len="sm"/>
-            <a:tailEnd type="none" w="med" len="sm"/>
+            <a:headEnd type="none" w="med" len="sm"/>
+            <a:tailEnd type="arrow" w="med" len="sm"/>
           </a:ln>
         </p:spPr>
         <p:style>
@@ -6293,8 +6107,8 @@
         </p:nvSpPr>
         <p:spPr>
           <a:xfrm flipH="1" flipV="1">
-            <a:off x="2835228" y="2897619"/>
-            <a:ext cx="2527059" cy="2948606"/>
+            <a:off x="2835226" y="3010364"/>
+            <a:ext cx="2527059" cy="2835859"/>
           </a:xfrm>
           <a:custGeom>
             <a:avLst/>
@@ -6338,7 +6152,7 @@
             <a:solidFill>
               <a:schemeClr val="tx2"/>
             </a:solidFill>
-            <a:headEnd type="arrow" w="med" len="sm"/>
+            <a:headEnd type="none" w="med" len="sm"/>
             <a:tailEnd type="none" w="med" len="sm"/>
           </a:ln>
         </p:spPr>
@@ -6392,8 +6206,8 @@
         </p:nvCxnSpPr>
         <p:spPr>
           <a:xfrm flipV="1">
-            <a:off x="5362287" y="5455372"/>
-            <a:ext cx="537" cy="390853"/>
+            <a:off x="5362285" y="5455372"/>
+            <a:ext cx="539" cy="390851"/>
           </a:xfrm>
           <a:prstGeom prst="straightConnector1">
             <a:avLst/>
@@ -6403,7 +6217,7 @@
               <a:schemeClr val="tx2"/>
             </a:solidFill>
             <a:headEnd type="none" w="med" len="sm"/>
-            <a:tailEnd type="none" w="med" len="sm"/>
+            <a:tailEnd type="arrow" w="med" len="sm"/>
           </a:ln>
         </p:spPr>
         <p:style>
@@ -6597,7 +6411,7 @@
           <p:nvPr/>
         </p:nvPicPr>
         <p:blipFill>
-          <a:blip r:embed="rId12"/>
+          <a:blip r:embed="rId10"/>
           <a:srcRect/>
           <a:stretch/>
         </p:blipFill>
@@ -6649,7 +6463,7 @@
           <p:nvPr/>
         </p:nvPicPr>
         <p:blipFill>
-          <a:blip r:embed="rId13" cstate="hqprint">
+          <a:blip r:embed="rId11" cstate="hqprint">
             <a:extLst>
               <a:ext uri="{28A0092B-C50C-407E-A947-70E740481C1C}">
                 <a14:useLocalDpi xmlns:a14="http://schemas.microsoft.com/office/drawing/2010/main" val="0"/>
@@ -6711,7 +6525,7 @@
         <p:spPr bwMode="auto">
           <a:xfrm>
             <a:off x="1943392" y="2357417"/>
-            <a:ext cx="1549009" cy="461665"/>
+            <a:ext cx="1549009" cy="646331"/>
           </a:xfrm>
           <a:prstGeom prst="rect">
             <a:avLst/>
@@ -6850,13 +6664,27 @@
                 <a:ea typeface="Amazon Ember" panose="020B0603020204020204" pitchFamily="34" charset="0"/>
                 <a:cs typeface="Arial" panose="020B0604020202020204" pitchFamily="34" charset="0"/>
               </a:rPr>
-              <a:t>Smart Power Cord for AWS</a:t>
+              <a:t>ConnectSense</a:t>
             </a:r>
-            <a:endParaRPr lang="en-US" altLang="en-US" sz="1200" dirty="0">
-              <a:latin typeface="Arial" panose="020B0604020202020204" pitchFamily="34" charset="0"/>
-              <a:ea typeface="Amazon Ember" panose="020B0603020204020204" pitchFamily="34" charset="0"/>
-              <a:cs typeface="Arial" panose="020B0604020202020204" pitchFamily="34" charset="0"/>
-            </a:endParaRPr>
+          </a:p>
+          <a:p>
+            <a:pPr algn="ctr" eaLnBrk="1" hangingPunct="1"/>
+            <a:r>
+              <a:rPr lang="en-US" altLang="en-US" sz="1200" dirty="0" smtClean="0">
+                <a:latin typeface="Arial" panose="020B0604020202020204" pitchFamily="34" charset="0"/>
+                <a:ea typeface="Amazon Ember" panose="020B0603020204020204" pitchFamily="34" charset="0"/>
+                <a:cs typeface="Arial" panose="020B0604020202020204" pitchFamily="34" charset="0"/>
+              </a:rPr>
+              <a:t>Smart </a:t>
+            </a:r>
+            <a:r>
+              <a:rPr lang="en-US" altLang="en-US" sz="1200" dirty="0">
+                <a:latin typeface="Arial" panose="020B0604020202020204" pitchFamily="34" charset="0"/>
+                <a:ea typeface="Amazon Ember" panose="020B0603020204020204" pitchFamily="34" charset="0"/>
+                <a:cs typeface="Arial" panose="020B0604020202020204" pitchFamily="34" charset="0"/>
+              </a:rPr>
+              <a:t>Power Cord for AWS</a:t>
+            </a:r>
           </a:p>
         </p:txBody>
       </p:sp>
@@ -8123,18 +7951,13 @@
           <a:p>
             <a:pPr algn="ctr"/>
             <a:r>
-              <a:rPr lang="en-US" altLang="en-US" sz="3600" dirty="0" smtClean="0">
+              <a:rPr lang="en-US" altLang="en-US" sz="3600" dirty="0">
                 <a:solidFill>
                   <a:srgbClr val="FF0000"/>
                 </a:solidFill>
               </a:rPr>
               <a:t>Previous version (for reference only)</a:t>
             </a:r>
-            <a:endParaRPr lang="en-US" altLang="en-US" sz="3600" dirty="0">
-              <a:solidFill>
-                <a:srgbClr val="FF0000"/>
-              </a:solidFill>
-            </a:endParaRPr>
           </a:p>
         </p:txBody>
       </p:sp>
@@ -9534,7 +9357,7 @@
               </a:spcAft>
               <a:defRPr/>
             </a:pPr>
-            <a:endParaRPr lang="en-US"/>
+            <a:endParaRPr lang="en-US" dirty="0"/>
           </a:p>
         </p:txBody>
       </p:sp>
@@ -9676,7 +9499,7 @@
               </a:spcAft>
               <a:defRPr/>
             </a:pPr>
-            <a:endParaRPr lang="en-US"/>
+            <a:endParaRPr lang="en-US" dirty="0"/>
           </a:p>
         </p:txBody>
       </p:sp>
@@ -9817,7 +9640,7 @@
               </a:spcAft>
               <a:defRPr/>
             </a:pPr>
-            <a:endParaRPr lang="en-US"/>
+            <a:endParaRPr lang="en-US" dirty="0"/>
           </a:p>
         </p:txBody>
       </p:sp>
